--- a/JeonJungKyu/2차수정본.pptx
+++ b/JeonJungKyu/2차수정본.pptx
@@ -23998,6 +23998,89 @@
           </a:prstGeom>
         </p:spPr>
       </p:pic>
+      <p:pic>
+        <p:nvPicPr>
+          <p:cNvPr id="12" name="그림 11">
+            <a:extLst>
+              <a:ext uri="{FF2B5EF4-FFF2-40B4-BE49-F238E27FC236}">
+                <a16:creationId xmlns:a16="http://schemas.microsoft.com/office/drawing/2014/main" id="{6908F0C8-9A46-7FA0-D6CE-6CC58FE2DFF7}"/>
+              </a:ext>
+            </a:extLst>
+          </p:cNvPr>
+          <p:cNvPicPr>
+            <a:picLocks noChangeAspect="1"/>
+          </p:cNvPicPr>
+          <p:nvPr/>
+        </p:nvPicPr>
+        <p:blipFill>
+          <a:blip r:embed="rId5">
+            <a:extLst>
+              <a:ext uri="{28A0092B-C50C-407E-A947-70E740481C1C}">
+                <a14:useLocalDpi xmlns:a14="http://schemas.microsoft.com/office/drawing/2010/main" val="0"/>
+              </a:ext>
+            </a:extLst>
+          </a:blip>
+          <a:stretch>
+            <a:fillRect/>
+          </a:stretch>
+        </p:blipFill>
+        <p:spPr>
+          <a:xfrm>
+            <a:off x="3575957" y="2239413"/>
+            <a:ext cx="3845610" cy="2135886"/>
+          </a:xfrm>
+          <a:prstGeom prst="rect">
+            <a:avLst/>
+          </a:prstGeom>
+        </p:spPr>
+      </p:pic>
+      <p:pic>
+        <p:nvPicPr>
+          <p:cNvPr id="1028" name="Picture 4">
+            <a:extLst>
+              <a:ext uri="{FF2B5EF4-FFF2-40B4-BE49-F238E27FC236}">
+                <a16:creationId xmlns:a16="http://schemas.microsoft.com/office/drawing/2014/main" id="{12501030-AE91-88E6-D9E0-5FB83611EA03}"/>
+              </a:ext>
+            </a:extLst>
+          </p:cNvPr>
+          <p:cNvPicPr>
+            <a:picLocks noChangeAspect="1" noChangeArrowheads="1"/>
+          </p:cNvPicPr>
+          <p:nvPr/>
+        </p:nvPicPr>
+        <p:blipFill>
+          <a:blip r:embed="rId6">
+            <a:extLst>
+              <a:ext uri="{28A0092B-C50C-407E-A947-70E740481C1C}">
+                <a14:useLocalDpi xmlns:a14="http://schemas.microsoft.com/office/drawing/2010/main" val="0"/>
+              </a:ext>
+            </a:extLst>
+          </a:blip>
+          <a:srcRect/>
+          <a:stretch>
+            <a:fillRect/>
+          </a:stretch>
+        </p:blipFill>
+        <p:spPr bwMode="auto">
+          <a:xfrm>
+            <a:off x="6467948" y="2321387"/>
+            <a:ext cx="2317463" cy="2317463"/>
+          </a:xfrm>
+          <a:prstGeom prst="rect">
+            <a:avLst/>
+          </a:prstGeom>
+          <a:noFill/>
+          <a:extLst>
+            <a:ext uri="{909E8E84-426E-40DD-AFC4-6F175D3DCCD1}">
+              <a14:hiddenFill xmlns:a14="http://schemas.microsoft.com/office/drawing/2010/main">
+                <a:solidFill>
+                  <a:srgbClr val="FFFFFF"/>
+                </a:solidFill>
+              </a14:hiddenFill>
+            </a:ext>
+          </a:extLst>
+        </p:spPr>
+      </p:pic>
     </p:spTree>
     <p:extLst>
       <p:ext uri="{BB962C8B-B14F-4D97-AF65-F5344CB8AC3E}">

--- a/JeonJungKyu/2차수정본.pptx
+++ b/JeonJungKyu/2차수정본.pptx
@@ -19937,7 +19937,7 @@
         </p:nvSpPr>
         <p:spPr>
           <a:xfrm>
-            <a:off x="661507" y="1258600"/>
+            <a:off x="661492" y="474829"/>
             <a:ext cx="8577200" cy="590800"/>
           </a:xfrm>
           <a:prstGeom prst="rect">
@@ -19964,7 +19964,7 @@
               <a:buSzPts val="2800"/>
             </a:pPr>
             <a:r>
-              <a:rPr lang="ko" altLang="en-US" sz="3733">
+              <a:rPr lang="ko" altLang="en-US" sz="3733" dirty="0">
                 <a:solidFill>
                   <a:srgbClr val="233E32"/>
                 </a:solidFill>
@@ -19975,73 +19975,10 @@
               </a:rPr>
               <a:t>구현 예시 화면 </a:t>
             </a:r>
-            <a:r>
-              <a:rPr lang="en-US" altLang="ko" sz="3733">
-                <a:solidFill>
-                  <a:srgbClr val="233E32"/>
-                </a:solidFill>
-                <a:latin typeface="Alice"/>
-                <a:ea typeface="Alice"/>
-                <a:cs typeface="Alice"/>
-                <a:sym typeface="Alice"/>
-              </a:rPr>
-              <a:t>[ </a:t>
-            </a:r>
-            <a:r>
-              <a:rPr lang="ko" altLang="en-US" sz="3733">
-                <a:solidFill>
-                  <a:srgbClr val="233E32"/>
-                </a:solidFill>
-                <a:latin typeface="Alice"/>
-                <a:ea typeface="Alice"/>
-                <a:cs typeface="Alice"/>
-                <a:sym typeface="Alice"/>
-              </a:rPr>
-              <a:t>구현예정</a:t>
-            </a:r>
-            <a:r>
-              <a:rPr lang="en-US" altLang="ko" sz="3733">
-                <a:solidFill>
-                  <a:srgbClr val="233E32"/>
-                </a:solidFill>
-                <a:latin typeface="Alice"/>
-                <a:ea typeface="Alice"/>
-                <a:cs typeface="Alice"/>
-                <a:sym typeface="Alice"/>
-              </a:rPr>
-              <a:t>]</a:t>
-            </a:r>
-            <a:endParaRPr sz="3733"/>
+            <a:endParaRPr sz="3733" dirty="0"/>
           </a:p>
         </p:txBody>
       </p:sp>
-      <p:pic>
-        <p:nvPicPr>
-          <p:cNvPr id="281" name="Google Shape;281;p36" descr="preencoded.png"/>
-          <p:cNvPicPr preferRelativeResize="0"/>
-          <p:nvPr/>
-        </p:nvPicPr>
-        <p:blipFill rotWithShape="1">
-          <a:blip r:embed="rId3">
-            <a:alphaModFix/>
-          </a:blip>
-          <a:srcRect/>
-          <a:stretch/>
-        </p:blipFill>
-        <p:spPr>
-          <a:xfrm>
-            <a:off x="661493" y="2227264"/>
-            <a:ext cx="3433961" cy="2122289"/>
-          </a:xfrm>
-          <a:prstGeom prst="rect">
-            <a:avLst/>
-          </a:prstGeom>
-          <a:noFill/>
-          <a:ln>
-            <a:noFill/>
-          </a:ln>
-        </p:spPr>
-      </p:pic>
       <p:sp>
         <p:nvSpPr>
           <p:cNvPr id="282" name="Google Shape;282;p36"/>
@@ -20050,7 +19987,7 @@
         </p:nvSpPr>
         <p:spPr>
           <a:xfrm>
-            <a:off x="661492" y="4585792"/>
+            <a:off x="7764421" y="474829"/>
             <a:ext cx="2362696" cy="295275"/>
           </a:xfrm>
           <a:prstGeom prst="rect">
@@ -20077,7 +20014,7 @@
               <a:buSzPts val="1400"/>
             </a:pPr>
             <a:r>
-              <a:rPr lang="ko" altLang="en-US" sz="1867">
+              <a:rPr lang="ko" altLang="en-US" sz="1867" dirty="0">
                 <a:solidFill>
                   <a:srgbClr val="2C2821"/>
                 </a:solidFill>
@@ -20088,87 +20025,10 @@
               </a:rPr>
               <a:t>지도 시각화 화면</a:t>
             </a:r>
-            <a:endParaRPr sz="1867"/>
+            <a:endParaRPr sz="1867" dirty="0"/>
           </a:p>
         </p:txBody>
       </p:sp>
-      <p:sp>
-        <p:nvSpPr>
-          <p:cNvPr id="283" name="Google Shape;283;p36"/>
-          <p:cNvSpPr/>
-          <p:nvPr/>
-        </p:nvSpPr>
-        <p:spPr>
-          <a:xfrm>
-            <a:off x="661493" y="4994474"/>
-            <a:ext cx="3433961" cy="604837"/>
-          </a:xfrm>
-          <a:prstGeom prst="rect">
-            <a:avLst/>
-          </a:prstGeom>
-          <a:noFill/>
-          <a:ln>
-            <a:noFill/>
-          </a:ln>
-        </p:spPr>
-        <p:txBody>
-          <a:bodyPr spcFirstLastPara="1" wrap="square" lIns="0" tIns="0" rIns="0" bIns="0" anchor="t" anchorCtr="0">
-            <a:noAutofit/>
-          </a:bodyPr>
-          <a:lstStyle/>
-          <a:p>
-            <a:pPr>
-              <a:lnSpc>
-                <a:spcPct val="162857"/>
-              </a:lnSpc>
-              <a:buClr>
-                <a:srgbClr val="2C2821"/>
-              </a:buClr>
-              <a:buSzPts val="1100"/>
-            </a:pPr>
-            <a:r>
-              <a:rPr lang="ko" altLang="en-US" sz="1467">
-                <a:solidFill>
-                  <a:srgbClr val="2C2821"/>
-                </a:solidFill>
-                <a:latin typeface="Lora"/>
-                <a:ea typeface="Lora"/>
-                <a:cs typeface="Lora"/>
-                <a:sym typeface="Lora"/>
-              </a:rPr>
-              <a:t>사고다발지역이 색상별로 표시된 지도 인터페이스</a:t>
-            </a:r>
-            <a:endParaRPr sz="1467"/>
-          </a:p>
-        </p:txBody>
-      </p:sp>
-      <p:pic>
-        <p:nvPicPr>
-          <p:cNvPr id="284" name="Google Shape;284;p36" descr="preencoded.png"/>
-          <p:cNvPicPr preferRelativeResize="0"/>
-          <p:nvPr/>
-        </p:nvPicPr>
-        <p:blipFill rotWithShape="1">
-          <a:blip r:embed="rId4">
-            <a:alphaModFix/>
-          </a:blip>
-          <a:srcRect/>
-          <a:stretch/>
-        </p:blipFill>
-        <p:spPr>
-          <a:xfrm>
-            <a:off x="4378921" y="2227263"/>
-            <a:ext cx="3434060" cy="2122388"/>
-          </a:xfrm>
-          <a:prstGeom prst="rect">
-            <a:avLst/>
-          </a:prstGeom>
-          <a:noFill/>
-          <a:ln>
-            <a:noFill/>
-          </a:ln>
-        </p:spPr>
-      </p:pic>
       <p:sp>
         <p:nvSpPr>
           <p:cNvPr id="285" name="Google Shape;285;p36"/>
@@ -20177,7 +20037,7 @@
         </p:nvSpPr>
         <p:spPr>
           <a:xfrm>
-            <a:off x="4378920" y="4585891"/>
+            <a:off x="4292786" y="1396092"/>
             <a:ext cx="2362696" cy="295275"/>
           </a:xfrm>
           <a:prstGeom prst="rect">
@@ -20204,7 +20064,7 @@
               <a:buSzPts val="1400"/>
             </a:pPr>
             <a:r>
-              <a:rPr lang="ko" altLang="en-US" sz="1867">
+              <a:rPr lang="ko" altLang="en-US" sz="1867" dirty="0">
                 <a:solidFill>
                   <a:srgbClr val="2C2821"/>
                 </a:solidFill>
@@ -20215,211 +20075,46 @@
               </a:rPr>
               <a:t>뉴스 요약 결과</a:t>
             </a:r>
-            <a:endParaRPr sz="1867"/>
-          </a:p>
-        </p:txBody>
-      </p:sp>
-      <p:sp>
-        <p:nvSpPr>
-          <p:cNvPr id="286" name="Google Shape;286;p36"/>
-          <p:cNvSpPr/>
-          <p:nvPr/>
-        </p:nvSpPr>
-        <p:spPr>
-          <a:xfrm>
-            <a:off x="4378921" y="4994572"/>
-            <a:ext cx="3434060" cy="302419"/>
-          </a:xfrm>
-          <a:prstGeom prst="rect">
-            <a:avLst/>
-          </a:prstGeom>
-          <a:noFill/>
-          <a:ln>
-            <a:noFill/>
-          </a:ln>
-        </p:spPr>
-        <p:txBody>
-          <a:bodyPr spcFirstLastPara="1" wrap="square" lIns="0" tIns="0" rIns="0" bIns="0" anchor="t" anchorCtr="0">
-            <a:noAutofit/>
-          </a:bodyPr>
-          <a:lstStyle/>
-          <a:p>
-            <a:pPr>
-              <a:lnSpc>
-                <a:spcPct val="162857"/>
-              </a:lnSpc>
-              <a:buClr>
-                <a:srgbClr val="2C2821"/>
-              </a:buClr>
-              <a:buSzPts val="1100"/>
-            </a:pPr>
-            <a:r>
-              <a:rPr lang="ko" altLang="en-US" sz="1467">
-                <a:solidFill>
-                  <a:srgbClr val="2C2821"/>
-                </a:solidFill>
-                <a:latin typeface="Lora"/>
-                <a:ea typeface="Lora"/>
-                <a:cs typeface="Lora"/>
-                <a:sym typeface="Lora"/>
-              </a:rPr>
-              <a:t>원문과 </a:t>
-            </a:r>
-            <a:r>
-              <a:rPr lang="en-US" altLang="ko" sz="1467">
-                <a:solidFill>
-                  <a:srgbClr val="2C2821"/>
-                </a:solidFill>
-                <a:latin typeface="Lora"/>
-                <a:ea typeface="Lora"/>
-                <a:cs typeface="Lora"/>
-                <a:sym typeface="Lora"/>
-              </a:rPr>
-              <a:t>AI </a:t>
-            </a:r>
-            <a:r>
-              <a:rPr lang="ko" altLang="en-US" sz="1467">
-                <a:solidFill>
-                  <a:srgbClr val="2C2821"/>
-                </a:solidFill>
-                <a:latin typeface="Lora"/>
-                <a:ea typeface="Lora"/>
-                <a:cs typeface="Lora"/>
-                <a:sym typeface="Lora"/>
-              </a:rPr>
-              <a:t>요약 결과를 비교할 수 있는 화면</a:t>
-            </a:r>
-            <a:endParaRPr sz="1467"/>
+            <a:endParaRPr sz="1867" dirty="0"/>
           </a:p>
         </p:txBody>
       </p:sp>
       <p:pic>
         <p:nvPicPr>
-          <p:cNvPr id="287" name="Google Shape;287;p36" descr="preencoded.png"/>
-          <p:cNvPicPr preferRelativeResize="0"/>
+          <p:cNvPr id="3" name="그림 2">
+            <a:extLst>
+              <a:ext uri="{FF2B5EF4-FFF2-40B4-BE49-F238E27FC236}">
+                <a16:creationId xmlns:a16="http://schemas.microsoft.com/office/drawing/2014/main" id="{9F9048D8-170E-18DC-D0F8-AA994DFC9101}"/>
+              </a:ext>
+            </a:extLst>
+          </p:cNvPr>
+          <p:cNvPicPr>
+            <a:picLocks noChangeAspect="1"/>
+          </p:cNvPicPr>
           <p:nvPr/>
         </p:nvPicPr>
-        <p:blipFill rotWithShape="1">
-          <a:blip r:embed="rId5">
-            <a:alphaModFix/>
+        <p:blipFill>
+          <a:blip r:embed="rId3">
+            <a:extLst>
+              <a:ext uri="{28A0092B-C50C-407E-A947-70E740481C1C}">
+                <a14:useLocalDpi xmlns:a14="http://schemas.microsoft.com/office/drawing/2010/main" val="0"/>
+              </a:ext>
+            </a:extLst>
           </a:blip>
-          <a:srcRect/>
-          <a:stretch/>
+          <a:stretch>
+            <a:fillRect/>
+          </a:stretch>
         </p:blipFill>
         <p:spPr>
           <a:xfrm>
-            <a:off x="8096449" y="2227264"/>
-            <a:ext cx="3433961" cy="2122289"/>
+            <a:off x="6900411" y="855639"/>
+            <a:ext cx="5235394" cy="5776461"/>
           </a:xfrm>
           <a:prstGeom prst="rect">
             <a:avLst/>
           </a:prstGeom>
-          <a:noFill/>
-          <a:ln>
-            <a:noFill/>
-          </a:ln>
         </p:spPr>
       </p:pic>
-      <p:sp>
-        <p:nvSpPr>
-          <p:cNvPr id="288" name="Google Shape;288;p36"/>
-          <p:cNvSpPr/>
-          <p:nvPr/>
-        </p:nvSpPr>
-        <p:spPr>
-          <a:xfrm>
-            <a:off x="8096448" y="4585792"/>
-            <a:ext cx="2362696" cy="295275"/>
-          </a:xfrm>
-          <a:prstGeom prst="rect">
-            <a:avLst/>
-          </a:prstGeom>
-          <a:noFill/>
-          <a:ln>
-            <a:noFill/>
-          </a:ln>
-        </p:spPr>
-        <p:txBody>
-          <a:bodyPr spcFirstLastPara="1" wrap="square" lIns="0" tIns="0" rIns="0" bIns="0" anchor="t" anchorCtr="0">
-            <a:noAutofit/>
-          </a:bodyPr>
-          <a:lstStyle/>
-          <a:p>
-            <a:pPr>
-              <a:lnSpc>
-                <a:spcPct val="125000"/>
-              </a:lnSpc>
-              <a:buClr>
-                <a:srgbClr val="2C2821"/>
-              </a:buClr>
-              <a:buSzPts val="1400"/>
-            </a:pPr>
-            <a:r>
-              <a:rPr lang="ko" altLang="en-US" sz="1867">
-                <a:solidFill>
-                  <a:srgbClr val="2C2821"/>
-                </a:solidFill>
-                <a:latin typeface="Alice"/>
-                <a:ea typeface="Alice"/>
-                <a:cs typeface="Alice"/>
-                <a:sym typeface="Alice"/>
-              </a:rPr>
-              <a:t>음성 출력 기능</a:t>
-            </a:r>
-            <a:endParaRPr sz="1867"/>
-          </a:p>
-        </p:txBody>
-      </p:sp>
-      <p:sp>
-        <p:nvSpPr>
-          <p:cNvPr id="289" name="Google Shape;289;p36"/>
-          <p:cNvSpPr/>
-          <p:nvPr/>
-        </p:nvSpPr>
-        <p:spPr>
-          <a:xfrm>
-            <a:off x="8096449" y="4994474"/>
-            <a:ext cx="3433961" cy="604837"/>
-          </a:xfrm>
-          <a:prstGeom prst="rect">
-            <a:avLst/>
-          </a:prstGeom>
-          <a:noFill/>
-          <a:ln>
-            <a:noFill/>
-          </a:ln>
-        </p:spPr>
-        <p:txBody>
-          <a:bodyPr spcFirstLastPara="1" wrap="square" lIns="0" tIns="0" rIns="0" bIns="0" anchor="t" anchorCtr="0">
-            <a:noAutofit/>
-          </a:bodyPr>
-          <a:lstStyle/>
-          <a:p>
-            <a:pPr>
-              <a:lnSpc>
-                <a:spcPct val="162857"/>
-              </a:lnSpc>
-              <a:buClr>
-                <a:srgbClr val="2C2821"/>
-              </a:buClr>
-              <a:buSzPts val="1100"/>
-            </a:pPr>
-            <a:r>
-              <a:rPr lang="ko" altLang="en-US" sz="1467">
-                <a:solidFill>
-                  <a:srgbClr val="2C2821"/>
-                </a:solidFill>
-                <a:latin typeface="Lora"/>
-                <a:ea typeface="Lora"/>
-                <a:cs typeface="Lora"/>
-                <a:sym typeface="Lora"/>
-              </a:rPr>
-              <a:t>요약된 내용을 음성으로 들을 수 있는 플레이어</a:t>
-            </a:r>
-            <a:endParaRPr sz="1467"/>
-          </a:p>
-        </p:txBody>
-      </p:sp>
     </p:spTree>
   </p:cSld>
   <p:clrMapOvr>
